--- a/Презентация/Gachigram.pptx
+++ b/Презентация/Gachigram.pptx
@@ -12,10 +12,14 @@
     <p:sldId id="262" r:id="rId6"/>
     <p:sldId id="272" r:id="rId7"/>
     <p:sldId id="263" r:id="rId8"/>
-    <p:sldId id="264" r:id="rId9"/>
-    <p:sldId id="265" r:id="rId10"/>
+    <p:sldId id="273" r:id="rId9"/>
+    <p:sldId id="264" r:id="rId10"/>
     <p:sldId id="266" r:id="rId11"/>
-    <p:sldId id="268" r:id="rId12"/>
+    <p:sldId id="274" r:id="rId12"/>
+    <p:sldId id="276" r:id="rId13"/>
+    <p:sldId id="275" r:id="rId14"/>
+    <p:sldId id="277" r:id="rId15"/>
+    <p:sldId id="268" r:id="rId16"/>
   </p:sldIdLst>
   <p:sldSz cx="9144000" cy="5143500" type="screen16x9"/>
   <p:notesSz cx="6858000" cy="9144000"/>
@@ -114,6 +118,22 @@
       </a:defRPr>
     </a:lvl9pPr>
   </p:defaultTextStyle>
+  <p:extLst>
+    <p:ext uri="{EFAFB233-063F-42B5-8137-9DF3F51BA10A}">
+      <p15:sldGuideLst xmlns:p15="http://schemas.microsoft.com/office/powerpoint/2012/main">
+        <p15:guide id="1" orient="horz" pos="1620">
+          <p15:clr>
+            <a:srgbClr val="A4A3A4"/>
+          </p15:clr>
+        </p15:guide>
+        <p15:guide id="2" pos="2880">
+          <p15:clr>
+            <a:srgbClr val="A4A3A4"/>
+          </p15:clr>
+        </p15:guide>
+      </p15:sldGuideLst>
+    </p:ext>
+  </p:extLst>
 </p:presentation>
 </file>
 
@@ -1062,7 +1082,11 @@
         <a:p>
           <a:r>
             <a:rPr lang="ru-RU" b="0" i="0" dirty="0" smtClean="0"/>
-            <a:t>комментирование публикаций и других комментариев</a:t>
+            <a:t>комментирование </a:t>
+          </a:r>
+          <a:r>
+            <a:rPr lang="ru-RU" b="0" i="0" dirty="0" smtClean="0"/>
+            <a:t>публикаций</a:t>
           </a:r>
           <a:endParaRPr lang="ru-RU" dirty="0"/>
         </a:p>
@@ -1287,23 +1311,23 @@
     </dgm:pt>
   </dgm:ptLst>
   <dgm:cxnLst>
+    <dgm:cxn modelId="{488A566F-F116-4084-AC8C-654AD17FDC8B}" srcId="{E9C196CC-89B5-4DE0-8DA7-6D84F3D22787}" destId="{CC682A82-0D55-48DE-BD2C-E986E960E702}" srcOrd="5" destOrd="0" parTransId="{518E1BDC-614E-4938-94E2-ED964D210D34}" sibTransId="{A2537BB6-2EC2-4339-BB88-B31BA329D25E}"/>
+    <dgm:cxn modelId="{5B6EF383-6011-4265-8E74-A971A46BA9CB}" srcId="{E9C196CC-89B5-4DE0-8DA7-6D84F3D22787}" destId="{D52B6635-CB42-4446-A463-9B57E25B9435}" srcOrd="1" destOrd="0" parTransId="{729B0B2F-E137-42AF-9B23-96CC73755923}" sibTransId="{8201C734-B19D-4F65-9D44-F37EE9037E71}"/>
+    <dgm:cxn modelId="{765523CB-DA87-4464-B314-AC9D15D19FFE}" srcId="{E9C196CC-89B5-4DE0-8DA7-6D84F3D22787}" destId="{4F3815CB-BBB3-47DB-8547-B7DAE681328E}" srcOrd="4" destOrd="0" parTransId="{CE776DAA-186B-47A5-8BD3-9D5CB8648454}" sibTransId="{0EBF50EF-C0D6-46B5-B1CC-FCA39A15AB0B}"/>
+    <dgm:cxn modelId="{E214C5EB-AAD2-419E-800C-07DE93CC587C}" type="presOf" srcId="{B94A1DC8-B30D-459E-8550-BE48B092D56A}" destId="{0C31516F-9028-4BF6-B2E1-EE89473CBC8F}" srcOrd="0" destOrd="3" presId="urn:microsoft.com/office/officeart/2005/8/layout/vList2"/>
+    <dgm:cxn modelId="{D5A1D36F-65E9-4B1A-B62F-DBDF95F4E3A9}" type="presOf" srcId="{64CC400D-AE9D-4DC1-8ABD-D949BCABD715}" destId="{0C31516F-9028-4BF6-B2E1-EE89473CBC8F}" srcOrd="0" destOrd="6" presId="urn:microsoft.com/office/officeart/2005/8/layout/vList2"/>
+    <dgm:cxn modelId="{28FCF064-6D9E-47D7-A7A9-4EC35FBB18A9}" type="presOf" srcId="{CC682A82-0D55-48DE-BD2C-E986E960E702}" destId="{0C31516F-9028-4BF6-B2E1-EE89473CBC8F}" srcOrd="0" destOrd="5" presId="urn:microsoft.com/office/officeart/2005/8/layout/vList2"/>
+    <dgm:cxn modelId="{647F0E9B-A7B5-4756-BD39-3B455135F485}" type="presOf" srcId="{E9C196CC-89B5-4DE0-8DA7-6D84F3D22787}" destId="{15A58325-3543-404D-9ED5-AA8E1D5A7AE4}" srcOrd="0" destOrd="0" presId="urn:microsoft.com/office/officeart/2005/8/layout/vList2"/>
+    <dgm:cxn modelId="{548C6ED5-AA74-4EEC-BDD7-0FAB2B461B9B}" type="presOf" srcId="{D52B6635-CB42-4446-A463-9B57E25B9435}" destId="{0C31516F-9028-4BF6-B2E1-EE89473CBC8F}" srcOrd="0" destOrd="1" presId="urn:microsoft.com/office/officeart/2005/8/layout/vList2"/>
+    <dgm:cxn modelId="{6905BBDA-721E-4238-B619-1FAB08F86C72}" type="presOf" srcId="{6E7B0785-B34F-4C6C-A443-1EC3FDFC6553}" destId="{0C31516F-9028-4BF6-B2E1-EE89473CBC8F}" srcOrd="0" destOrd="0" presId="urn:microsoft.com/office/officeart/2005/8/layout/vList2"/>
+    <dgm:cxn modelId="{86367AFD-4323-4C76-89B0-E5047B332F91}" srcId="{E9C196CC-89B5-4DE0-8DA7-6D84F3D22787}" destId="{8A774838-502A-4EAD-B606-A3D0F299B877}" srcOrd="2" destOrd="0" parTransId="{B95576F8-C0D7-4CCB-8E20-FB6E589187CA}" sibTransId="{EE821A8C-D5F4-452E-8052-01BFA70C8684}"/>
+    <dgm:cxn modelId="{11EF59BE-E2A3-4890-A2A1-C5FE79C46D22}" srcId="{E9C196CC-89B5-4DE0-8DA7-6D84F3D22787}" destId="{B94A1DC8-B30D-459E-8550-BE48B092D56A}" srcOrd="3" destOrd="0" parTransId="{B058961F-4C6E-42E4-A28C-814B0E01B5B7}" sibTransId="{BC59F551-69C5-41B1-809D-6F0B74B0EC09}"/>
+    <dgm:cxn modelId="{B997643E-2879-4B42-80E6-613AC395B896}" srcId="{BEB14CDB-2A05-46CF-BD8A-5857295BF768}" destId="{E9C196CC-89B5-4DE0-8DA7-6D84F3D22787}" srcOrd="0" destOrd="0" parTransId="{00A0CA4B-8421-463E-B552-0F317A58CD59}" sibTransId="{D3FDBD9E-89A4-44D9-8019-6DFD55933A57}"/>
+    <dgm:cxn modelId="{08C212A5-D7D9-4783-90F6-49621CC8C402}" srcId="{E9C196CC-89B5-4DE0-8DA7-6D84F3D22787}" destId="{6E7B0785-B34F-4C6C-A443-1EC3FDFC6553}" srcOrd="0" destOrd="0" parTransId="{419AA1B2-5EE0-4160-AD4A-687884658CA6}" sibTransId="{691B5840-C180-4710-8E85-829326099766}"/>
+    <dgm:cxn modelId="{D2F775B4-764A-40B7-B47C-406367762E44}" type="presOf" srcId="{BEB14CDB-2A05-46CF-BD8A-5857295BF768}" destId="{4C2CA5F7-A3EF-4227-AD48-A109CE7DD63D}" srcOrd="0" destOrd="0" presId="urn:microsoft.com/office/officeart/2005/8/layout/vList2"/>
+    <dgm:cxn modelId="{BCE073B3-B20B-4095-BBAD-110DA887A03F}" srcId="{E9C196CC-89B5-4DE0-8DA7-6D84F3D22787}" destId="{64CC400D-AE9D-4DC1-8ABD-D949BCABD715}" srcOrd="6" destOrd="0" parTransId="{D15CC17A-C4F6-4CC6-829F-E5FD62AD90AB}" sibTransId="{D0EFE3EC-D38E-497F-BA1B-F5340B3E1C82}"/>
     <dgm:cxn modelId="{0A54E060-E45A-4A47-9837-134988672A44}" type="presOf" srcId="{4F3815CB-BBB3-47DB-8547-B7DAE681328E}" destId="{0C31516F-9028-4BF6-B2E1-EE89473CBC8F}" srcOrd="0" destOrd="4" presId="urn:microsoft.com/office/officeart/2005/8/layout/vList2"/>
-    <dgm:cxn modelId="{B997643E-2879-4B42-80E6-613AC395B896}" srcId="{BEB14CDB-2A05-46CF-BD8A-5857295BF768}" destId="{E9C196CC-89B5-4DE0-8DA7-6D84F3D22787}" srcOrd="0" destOrd="0" parTransId="{00A0CA4B-8421-463E-B552-0F317A58CD59}" sibTransId="{D3FDBD9E-89A4-44D9-8019-6DFD55933A57}"/>
-    <dgm:cxn modelId="{548C6ED5-AA74-4EEC-BDD7-0FAB2B461B9B}" type="presOf" srcId="{D52B6635-CB42-4446-A463-9B57E25B9435}" destId="{0C31516F-9028-4BF6-B2E1-EE89473CBC8F}" srcOrd="0" destOrd="1" presId="urn:microsoft.com/office/officeart/2005/8/layout/vList2"/>
-    <dgm:cxn modelId="{E214C5EB-AAD2-419E-800C-07DE93CC587C}" type="presOf" srcId="{B94A1DC8-B30D-459E-8550-BE48B092D56A}" destId="{0C31516F-9028-4BF6-B2E1-EE89473CBC8F}" srcOrd="0" destOrd="3" presId="urn:microsoft.com/office/officeart/2005/8/layout/vList2"/>
-    <dgm:cxn modelId="{6905BBDA-721E-4238-B619-1FAB08F86C72}" type="presOf" srcId="{6E7B0785-B34F-4C6C-A443-1EC3FDFC6553}" destId="{0C31516F-9028-4BF6-B2E1-EE89473CBC8F}" srcOrd="0" destOrd="0" presId="urn:microsoft.com/office/officeart/2005/8/layout/vList2"/>
-    <dgm:cxn modelId="{BCE073B3-B20B-4095-BBAD-110DA887A03F}" srcId="{E9C196CC-89B5-4DE0-8DA7-6D84F3D22787}" destId="{64CC400D-AE9D-4DC1-8ABD-D949BCABD715}" srcOrd="6" destOrd="0" parTransId="{D15CC17A-C4F6-4CC6-829F-E5FD62AD90AB}" sibTransId="{D0EFE3EC-D38E-497F-BA1B-F5340B3E1C82}"/>
-    <dgm:cxn modelId="{765523CB-DA87-4464-B314-AC9D15D19FFE}" srcId="{E9C196CC-89B5-4DE0-8DA7-6D84F3D22787}" destId="{4F3815CB-BBB3-47DB-8547-B7DAE681328E}" srcOrd="4" destOrd="0" parTransId="{CE776DAA-186B-47A5-8BD3-9D5CB8648454}" sibTransId="{0EBF50EF-C0D6-46B5-B1CC-FCA39A15AB0B}"/>
-    <dgm:cxn modelId="{28FCF064-6D9E-47D7-A7A9-4EC35FBB18A9}" type="presOf" srcId="{CC682A82-0D55-48DE-BD2C-E986E960E702}" destId="{0C31516F-9028-4BF6-B2E1-EE89473CBC8F}" srcOrd="0" destOrd="5" presId="urn:microsoft.com/office/officeart/2005/8/layout/vList2"/>
-    <dgm:cxn modelId="{D2F775B4-764A-40B7-B47C-406367762E44}" type="presOf" srcId="{BEB14CDB-2A05-46CF-BD8A-5857295BF768}" destId="{4C2CA5F7-A3EF-4227-AD48-A109CE7DD63D}" srcOrd="0" destOrd="0" presId="urn:microsoft.com/office/officeart/2005/8/layout/vList2"/>
-    <dgm:cxn modelId="{5B6EF383-6011-4265-8E74-A971A46BA9CB}" srcId="{E9C196CC-89B5-4DE0-8DA7-6D84F3D22787}" destId="{D52B6635-CB42-4446-A463-9B57E25B9435}" srcOrd="1" destOrd="0" parTransId="{729B0B2F-E137-42AF-9B23-96CC73755923}" sibTransId="{8201C734-B19D-4F65-9D44-F37EE9037E71}"/>
-    <dgm:cxn modelId="{86367AFD-4323-4C76-89B0-E5047B332F91}" srcId="{E9C196CC-89B5-4DE0-8DA7-6D84F3D22787}" destId="{8A774838-502A-4EAD-B606-A3D0F299B877}" srcOrd="2" destOrd="0" parTransId="{B95576F8-C0D7-4CCB-8E20-FB6E589187CA}" sibTransId="{EE821A8C-D5F4-452E-8052-01BFA70C8684}"/>
     <dgm:cxn modelId="{E8F28AA8-D486-497C-9D45-9A58587EE034}" type="presOf" srcId="{8A774838-502A-4EAD-B606-A3D0F299B877}" destId="{0C31516F-9028-4BF6-B2E1-EE89473CBC8F}" srcOrd="0" destOrd="2" presId="urn:microsoft.com/office/officeart/2005/8/layout/vList2"/>
-    <dgm:cxn modelId="{11EF59BE-E2A3-4890-A2A1-C5FE79C46D22}" srcId="{E9C196CC-89B5-4DE0-8DA7-6D84F3D22787}" destId="{B94A1DC8-B30D-459E-8550-BE48B092D56A}" srcOrd="3" destOrd="0" parTransId="{B058961F-4C6E-42E4-A28C-814B0E01B5B7}" sibTransId="{BC59F551-69C5-41B1-809D-6F0B74B0EC09}"/>
-    <dgm:cxn modelId="{D5A1D36F-65E9-4B1A-B62F-DBDF95F4E3A9}" type="presOf" srcId="{64CC400D-AE9D-4DC1-8ABD-D949BCABD715}" destId="{0C31516F-9028-4BF6-B2E1-EE89473CBC8F}" srcOrd="0" destOrd="6" presId="urn:microsoft.com/office/officeart/2005/8/layout/vList2"/>
-    <dgm:cxn modelId="{488A566F-F116-4084-AC8C-654AD17FDC8B}" srcId="{E9C196CC-89B5-4DE0-8DA7-6D84F3D22787}" destId="{CC682A82-0D55-48DE-BD2C-E986E960E702}" srcOrd="5" destOrd="0" parTransId="{518E1BDC-614E-4938-94E2-ED964D210D34}" sibTransId="{A2537BB6-2EC2-4339-BB88-B31BA329D25E}"/>
-    <dgm:cxn modelId="{647F0E9B-A7B5-4756-BD39-3B455135F485}" type="presOf" srcId="{E9C196CC-89B5-4DE0-8DA7-6D84F3D22787}" destId="{15A58325-3543-404D-9ED5-AA8E1D5A7AE4}" srcOrd="0" destOrd="0" presId="urn:microsoft.com/office/officeart/2005/8/layout/vList2"/>
-    <dgm:cxn modelId="{08C212A5-D7D9-4783-90F6-49621CC8C402}" srcId="{E9C196CC-89B5-4DE0-8DA7-6D84F3D22787}" destId="{6E7B0785-B34F-4C6C-A443-1EC3FDFC6553}" srcOrd="0" destOrd="0" parTransId="{419AA1B2-5EE0-4160-AD4A-687884658CA6}" sibTransId="{691B5840-C180-4710-8E85-829326099766}"/>
     <dgm:cxn modelId="{2BD53CD0-6A66-43F1-98B1-E9241E8499B3}" type="presParOf" srcId="{4C2CA5F7-A3EF-4227-AD48-A109CE7DD63D}" destId="{15A58325-3543-404D-9ED5-AA8E1D5A7AE4}" srcOrd="0" destOrd="0" presId="urn:microsoft.com/office/officeart/2005/8/layout/vList2"/>
     <dgm:cxn modelId="{5854E35E-EEB8-48C5-A299-6F9246D229CE}" type="presParOf" srcId="{4C2CA5F7-A3EF-4227-AD48-A109CE7DD63D}" destId="{0C31516F-9028-4BF6-B2E1-EE89473CBC8F}" srcOrd="1" destOrd="0" presId="urn:microsoft.com/office/officeart/2005/8/layout/vList2"/>
   </dgm:cxnLst>
@@ -1311,14 +1335,14 @@
   <dgm:whole/>
   <dgm:extLst>
     <a:ext uri="http://schemas.microsoft.com/office/drawing/2008/diagram">
-      <dsp:dataModelExt xmlns:dsp="http://schemas.microsoft.com/office/drawing/2008/diagram" xmlns="" relId="rId6" minVer="http://schemas.openxmlformats.org/drawingml/2006/diagram"/>
+      <dsp:dataModelExt xmlns:dsp="http://schemas.microsoft.com/office/drawing/2008/diagram" relId="rId6" minVer="http://schemas.openxmlformats.org/drawingml/2006/diagram"/>
     </a:ext>
   </dgm:extLst>
 </dgm:dataModel>
 </file>
 
 <file path=ppt/diagrams/drawing1.xml><?xml version="1.0" encoding="utf-8"?>
-<dsp:drawing xmlns:dgm="http://schemas.openxmlformats.org/drawingml/2006/diagram" xmlns:a="http://schemas.openxmlformats.org/drawingml/2006/main" xmlns:dsp="http://schemas.microsoft.com/office/drawing/2008/diagram">
+<dsp:drawing xmlns:dgm="http://schemas.openxmlformats.org/drawingml/2006/diagram" xmlns:dsp="http://schemas.microsoft.com/office/drawing/2008/diagram" xmlns:a="http://schemas.openxmlformats.org/drawingml/2006/main">
   <dsp:spTree>
     <dsp:nvGrpSpPr>
       <dsp:cNvPr id="0" name=""/>
@@ -1403,8 +1427,8 @@
         </a:p>
       </dsp:txBody>
       <dsp:txXfrm>
-        <a:off x="0" y="2"/>
-        <a:ext cx="8229600" cy="623610"/>
+        <a:off x="30442" y="30444"/>
+        <a:ext cx="8168716" cy="562726"/>
       </dsp:txXfrm>
     </dsp:sp>
     <dsp:sp modelId="{0C31516F-9028-4BF6-B2E1-EE89473CBC8F}">
@@ -1496,7 +1520,11 @@
           </a:pPr>
           <a:r>
             <a:rPr lang="ru-RU" sz="2000" b="0" i="0" kern="1200" dirty="0" smtClean="0"/>
-            <a:t>комментирование публикаций и других комментариев</a:t>
+            <a:t>комментирование </a:t>
+          </a:r>
+          <a:r>
+            <a:rPr lang="ru-RU" sz="2000" b="0" i="0" kern="1200" dirty="0" smtClean="0"/>
+            <a:t>публикаций</a:t>
           </a:r>
           <a:endParaRPr lang="ru-RU" sz="2000" kern="1200" dirty="0"/>
         </a:p>
@@ -5739,44 +5767,6 @@
           <a:chExt cx="0" cy="0"/>
         </a:xfrm>
       </p:grpSpPr>
-      <p:sp>
-        <p:nvSpPr>
-          <p:cNvPr id="2" name="Заголовок 1"/>
-          <p:cNvSpPr>
-            <a:spLocks noGrp="1"/>
-          </p:cNvSpPr>
-          <p:nvPr>
-            <p:ph type="title"/>
-          </p:nvPr>
-        </p:nvSpPr>
-        <p:spPr/>
-        <p:txBody>
-          <a:bodyPr/>
-          <a:lstStyle/>
-          <a:p>
-            <a:endParaRPr lang="ru-RU"/>
-          </a:p>
-        </p:txBody>
-      </p:sp>
-      <p:sp>
-        <p:nvSpPr>
-          <p:cNvPr id="3" name="Содержимое 2"/>
-          <p:cNvSpPr>
-            <a:spLocks noGrp="1"/>
-          </p:cNvSpPr>
-          <p:nvPr>
-            <p:ph idx="1"/>
-          </p:nvPr>
-        </p:nvSpPr>
-        <p:spPr/>
-        <p:txBody>
-          <a:bodyPr/>
-          <a:lstStyle/>
-          <a:p>
-            <a:endParaRPr lang="ru-RU" dirty="0"/>
-          </a:p>
-        </p:txBody>
-      </p:sp>
       <p:pic>
         <p:nvPicPr>
           <p:cNvPr id="2050" name="Picture 2"/>
@@ -7516,75 +7506,34 @@
           <a:chExt cx="0" cy="0"/>
         </a:xfrm>
       </p:grpSpPr>
-      <p:sp>
-        <p:nvSpPr>
-          <p:cNvPr id="2" name="Заголовок 1"/>
-          <p:cNvSpPr>
-            <a:spLocks noGrp="1"/>
-          </p:cNvSpPr>
-          <p:nvPr>
-            <p:ph type="title"/>
-          </p:nvPr>
-        </p:nvSpPr>
-        <p:spPr/>
-        <p:txBody>
-          <a:bodyPr/>
-          <a:lstStyle/>
-          <a:p>
-            <a:endParaRPr lang="ru-RU"/>
-          </a:p>
-        </p:txBody>
-      </p:sp>
-      <p:sp>
-        <p:nvSpPr>
-          <p:cNvPr id="3" name="Содержимое 2"/>
-          <p:cNvSpPr>
-            <a:spLocks noGrp="1"/>
-          </p:cNvSpPr>
-          <p:nvPr>
-            <p:ph idx="1"/>
-          </p:nvPr>
-        </p:nvSpPr>
-        <p:spPr/>
-        <p:txBody>
-          <a:bodyPr/>
-          <a:lstStyle/>
-          <a:p>
-            <a:endParaRPr lang="ru-RU"/>
-          </a:p>
-        </p:txBody>
-      </p:sp>
       <p:pic>
         <p:nvPicPr>
-          <p:cNvPr id="9218" name="Picture 2"/>
+          <p:cNvPr id="4" name="Рисунок 3"/>
           <p:cNvPicPr>
-            <a:picLocks noChangeAspect="1" noChangeArrowheads="1"/>
+            <a:picLocks noChangeAspect="1"/>
           </p:cNvPicPr>
           <p:nvPr/>
         </p:nvPicPr>
         <p:blipFill>
-          <a:blip r:embed="rId2" cstate="print"/>
-          <a:srcRect l="11719" t="8333" r="14453" b="6250"/>
+          <a:blip r:embed="rId2">
+            <a:extLst>
+              <a:ext uri="{28A0092B-C50C-407E-A947-70E740481C1C}">
+                <a14:useLocalDpi xmlns:a14="http://schemas.microsoft.com/office/drawing/2010/main" val="0"/>
+              </a:ext>
+            </a:extLst>
+          </a:blip>
           <a:stretch>
             <a:fillRect/>
           </a:stretch>
         </p:blipFill>
-        <p:spPr bwMode="auto">
+        <p:spPr>
           <a:xfrm>
-            <a:off x="1000100" y="214296"/>
-            <a:ext cx="7072362" cy="4602648"/>
+            <a:off x="0" y="195486"/>
+            <a:ext cx="9144000" cy="4473422"/>
           </a:xfrm>
           <a:prstGeom prst="rect">
             <a:avLst/>
           </a:prstGeom>
-          <a:noFill/>
-          <a:ln w="9525">
-            <a:noFill/>
-            <a:miter lim="800000"/>
-            <a:headEnd/>
-            <a:tailEnd/>
-          </a:ln>
-          <a:effectLst/>
         </p:spPr>
       </p:pic>
     </p:spTree>
@@ -7592,6 +7541,13 @@
   <p:clrMapOvr>
     <a:masterClrMapping/>
   </p:clrMapOvr>
+  <p:timing>
+    <p:tnLst>
+      <p:par>
+        <p:cTn id="1" dur="indefinite" restart="never" nodeType="tmRoot"/>
+      </p:par>
+    </p:tnLst>
+  </p:timing>
 </p:sld>
 </file>
 
@@ -7624,62 +7580,396 @@
         </p:nvSpPr>
         <p:spPr/>
         <p:txBody>
-          <a:bodyPr/>
+          <a:bodyPr>
+            <a:normAutofit/>
+          </a:bodyPr>
           <a:lstStyle/>
           <a:p>
-            <a:endParaRPr lang="ru-RU"/>
+            <a:pPr algn="l"/>
+            <a:r>
+              <a:rPr lang="ru-RU" sz="2400" dirty="0" smtClean="0"/>
+              <a:t>Маршрутизация</a:t>
+            </a:r>
+            <a:endParaRPr lang="ru-RU" sz="2400" dirty="0"/>
           </a:p>
         </p:txBody>
       </p:sp>
+      <p:pic>
+        <p:nvPicPr>
+          <p:cNvPr id="4" name="Рисунок 3"/>
+          <p:cNvPicPr>
+            <a:picLocks noChangeAspect="1"/>
+          </p:cNvPicPr>
+          <p:nvPr/>
+        </p:nvPicPr>
+        <p:blipFill>
+          <a:blip r:embed="rId2">
+            <a:extLst>
+              <a:ext uri="{28A0092B-C50C-407E-A947-70E740481C1C}">
+                <a14:useLocalDpi xmlns:a14="http://schemas.microsoft.com/office/drawing/2010/main" val="0"/>
+              </a:ext>
+            </a:extLst>
+          </a:blip>
+          <a:stretch>
+            <a:fillRect/>
+          </a:stretch>
+        </p:blipFill>
+        <p:spPr>
+          <a:xfrm>
+            <a:off x="3275856" y="339502"/>
+            <a:ext cx="3839111" cy="4544059"/>
+          </a:xfrm>
+          <a:prstGeom prst="rect">
+            <a:avLst/>
+          </a:prstGeom>
+        </p:spPr>
+      </p:pic>
+    </p:spTree>
+    <p:extLst>
+      <p:ext uri="{BB962C8B-B14F-4D97-AF65-F5344CB8AC3E}">
+        <p14:creationId xmlns:p14="http://schemas.microsoft.com/office/powerpoint/2010/main" val="1776414065"/>
+      </p:ext>
+    </p:extLst>
+  </p:cSld>
+  <p:clrMapOvr>
+    <a:masterClrMapping/>
+  </p:clrMapOvr>
+  <p:timing>
+    <p:tnLst>
+      <p:par>
+        <p:cTn id="1" dur="indefinite" restart="never" nodeType="tmRoot"/>
+      </p:par>
+    </p:tnLst>
+  </p:timing>
+</p:sld>
+</file>
+
+<file path=ppt/slides/slide12.xml><?xml version="1.0" encoding="utf-8"?>
+<p:sld xmlns:a="http://schemas.openxmlformats.org/drawingml/2006/main" xmlns:r="http://schemas.openxmlformats.org/officeDocument/2006/relationships" xmlns:p="http://schemas.openxmlformats.org/presentationml/2006/main">
+  <p:cSld>
+    <p:spTree>
+      <p:nvGrpSpPr>
+        <p:cNvPr id="1" name=""/>
+        <p:cNvGrpSpPr/>
+        <p:nvPr/>
+      </p:nvGrpSpPr>
+      <p:grpSpPr>
+        <a:xfrm>
+          <a:off x="0" y="0"/>
+          <a:ext cx="0" cy="0"/>
+          <a:chOff x="0" y="0"/>
+          <a:chExt cx="0" cy="0"/>
+        </a:xfrm>
+      </p:grpSpPr>
       <p:sp>
         <p:nvSpPr>
-          <p:cNvPr id="3" name="Содержимое 2"/>
+          <p:cNvPr id="2" name="Заголовок 1"/>
           <p:cNvSpPr>
             <a:spLocks noGrp="1"/>
           </p:cNvSpPr>
           <p:nvPr>
-            <p:ph idx="1"/>
+            <p:ph type="title"/>
           </p:nvPr>
         </p:nvSpPr>
         <p:spPr/>
         <p:txBody>
-          <a:bodyPr/>
+          <a:bodyPr>
+            <a:normAutofit/>
+          </a:bodyPr>
           <a:lstStyle/>
           <a:p>
-            <a:endParaRPr lang="ru-RU" dirty="0"/>
+            <a:pPr algn="l"/>
+            <a:r>
+              <a:rPr lang="ru-RU" sz="2400" dirty="0" smtClean="0"/>
+              <a:t>Сущности</a:t>
+            </a:r>
+            <a:endParaRPr lang="ru-RU" sz="2400" dirty="0"/>
           </a:p>
         </p:txBody>
       </p:sp>
-      <p:sp>
-        <p:nvSpPr>
-          <p:cNvPr id="10244" name="AutoShape 4" descr="https://meduza.io/impro/HgjpkVp_aJgpcVArqryKktVUYyq-6NFpyij4jMnEArA/fill/0/0/no/1/aHR0cHM6Ly9tZWR1/emEuaW8vaW1hZ2Uv/YXR0YWNobWVudHMv/aW1hZ2VzLzAwMi80/NDYvODc0L2xhcmdl/L0daR3AxQUtIVTJY/bUYxQWxPUVlxRmcu/anBn.webp"/>
-          <p:cNvSpPr>
-            <a:spLocks noChangeAspect="1" noChangeArrowheads="1"/>
-          </p:cNvSpPr>
+      <p:pic>
+        <p:nvPicPr>
+          <p:cNvPr id="5" name="Рисунок 4"/>
+          <p:cNvPicPr>
+            <a:picLocks noChangeAspect="1"/>
+          </p:cNvPicPr>
           <p:nvPr/>
-        </p:nvSpPr>
-        <p:spPr bwMode="auto">
+        </p:nvPicPr>
+        <p:blipFill>
+          <a:blip r:embed="rId2">
+            <a:extLst>
+              <a:ext uri="{28A0092B-C50C-407E-A947-70E740481C1C}">
+                <a14:useLocalDpi xmlns:a14="http://schemas.microsoft.com/office/drawing/2010/main" val="0"/>
+              </a:ext>
+            </a:extLst>
+          </a:blip>
+          <a:stretch>
+            <a:fillRect/>
+          </a:stretch>
+        </p:blipFill>
+        <p:spPr>
           <a:xfrm>
-            <a:off x="155575" y="-136525"/>
-            <a:ext cx="298450" cy="298450"/>
+            <a:off x="3419872" y="1131590"/>
+            <a:ext cx="1728192" cy="2446847"/>
           </a:xfrm>
           <a:prstGeom prst="rect">
             <a:avLst/>
           </a:prstGeom>
-          <a:noFill/>
         </p:spPr>
+      </p:pic>
+    </p:spTree>
+    <p:extLst>
+      <p:ext uri="{BB962C8B-B14F-4D97-AF65-F5344CB8AC3E}">
+        <p14:creationId xmlns:p14="http://schemas.microsoft.com/office/powerpoint/2010/main" val="2666105612"/>
+      </p:ext>
+    </p:extLst>
+  </p:cSld>
+  <p:clrMapOvr>
+    <a:masterClrMapping/>
+  </p:clrMapOvr>
+  <p:timing>
+    <p:tnLst>
+      <p:par>
+        <p:cTn id="1" dur="indefinite" restart="never" nodeType="tmRoot"/>
+      </p:par>
+    </p:tnLst>
+  </p:timing>
+</p:sld>
+</file>
+
+<file path=ppt/slides/slide13.xml><?xml version="1.0" encoding="utf-8"?>
+<p:sld xmlns:a="http://schemas.openxmlformats.org/drawingml/2006/main" xmlns:r="http://schemas.openxmlformats.org/officeDocument/2006/relationships" xmlns:p="http://schemas.openxmlformats.org/presentationml/2006/main">
+  <p:cSld>
+    <p:spTree>
+      <p:nvGrpSpPr>
+        <p:cNvPr id="1" name=""/>
+        <p:cNvGrpSpPr/>
+        <p:nvPr/>
+      </p:nvGrpSpPr>
+      <p:grpSpPr>
+        <a:xfrm>
+          <a:off x="0" y="0"/>
+          <a:ext cx="0" cy="0"/>
+          <a:chOff x="0" y="0"/>
+          <a:chExt cx="0" cy="0"/>
+        </a:xfrm>
+      </p:grpSpPr>
+      <p:sp>
+        <p:nvSpPr>
+          <p:cNvPr id="2" name="Заголовок 1"/>
+          <p:cNvSpPr>
+            <a:spLocks noGrp="1"/>
+          </p:cNvSpPr>
+          <p:nvPr>
+            <p:ph type="title"/>
+          </p:nvPr>
+        </p:nvSpPr>
+        <p:spPr/>
         <p:txBody>
-          <a:bodyPr vert="horz" wrap="square" lIns="91440" tIns="45720" rIns="91440" bIns="45720" numCol="1" anchor="t" anchorCtr="0" compatLnSpc="1">
-            <a:prstTxWarp prst="textNoShape">
-              <a:avLst/>
-            </a:prstTxWarp>
+          <a:bodyPr>
+            <a:normAutofit/>
           </a:bodyPr>
           <a:lstStyle/>
           <a:p>
-            <a:endParaRPr lang="ru-RU"/>
+            <a:pPr algn="l"/>
+            <a:r>
+              <a:rPr lang="ru-RU" sz="2400" dirty="0" smtClean="0"/>
+              <a:t>Сущности</a:t>
+            </a:r>
+            <a:endParaRPr lang="ru-RU" sz="2400" dirty="0"/>
           </a:p>
         </p:txBody>
       </p:sp>
+      <p:pic>
+        <p:nvPicPr>
+          <p:cNvPr id="3" name="Рисунок 2"/>
+          <p:cNvPicPr>
+            <a:picLocks noChangeAspect="1"/>
+          </p:cNvPicPr>
+          <p:nvPr/>
+        </p:nvPicPr>
+        <p:blipFill>
+          <a:blip r:embed="rId2">
+            <a:extLst>
+              <a:ext uri="{28A0092B-C50C-407E-A947-70E740481C1C}">
+                <a14:useLocalDpi xmlns:a14="http://schemas.microsoft.com/office/drawing/2010/main" val="0"/>
+              </a:ext>
+            </a:extLst>
+          </a:blip>
+          <a:stretch>
+            <a:fillRect/>
+          </a:stretch>
+        </p:blipFill>
+        <p:spPr>
+          <a:xfrm>
+            <a:off x="1873086" y="0"/>
+            <a:ext cx="6813714" cy="5143500"/>
+          </a:xfrm>
+          <a:prstGeom prst="rect">
+            <a:avLst/>
+          </a:prstGeom>
+        </p:spPr>
+      </p:pic>
+      <p:pic>
+        <p:nvPicPr>
+          <p:cNvPr id="5" name="Рисунок 4"/>
+          <p:cNvPicPr>
+            <a:picLocks noChangeAspect="1"/>
+          </p:cNvPicPr>
+          <p:nvPr/>
+        </p:nvPicPr>
+        <p:blipFill>
+          <a:blip r:embed="rId3">
+            <a:extLst>
+              <a:ext uri="{28A0092B-C50C-407E-A947-70E740481C1C}">
+                <a14:useLocalDpi xmlns:a14="http://schemas.microsoft.com/office/drawing/2010/main" val="0"/>
+              </a:ext>
+            </a:extLst>
+          </a:blip>
+          <a:stretch>
+            <a:fillRect/>
+          </a:stretch>
+        </p:blipFill>
+        <p:spPr>
+          <a:xfrm>
+            <a:off x="684064" y="1063229"/>
+            <a:ext cx="962159" cy="1362265"/>
+          </a:xfrm>
+          <a:prstGeom prst="rect">
+            <a:avLst/>
+          </a:prstGeom>
+        </p:spPr>
+      </p:pic>
+    </p:spTree>
+    <p:extLst>
+      <p:ext uri="{BB962C8B-B14F-4D97-AF65-F5344CB8AC3E}">
+        <p14:creationId xmlns:p14="http://schemas.microsoft.com/office/powerpoint/2010/main" val="3734939352"/>
+      </p:ext>
+    </p:extLst>
+  </p:cSld>
+  <p:clrMapOvr>
+    <a:masterClrMapping/>
+  </p:clrMapOvr>
+  <p:timing>
+    <p:tnLst>
+      <p:par>
+        <p:cTn id="1" dur="indefinite" restart="never" nodeType="tmRoot"/>
+      </p:par>
+    </p:tnLst>
+  </p:timing>
+</p:sld>
+</file>
+
+<file path=ppt/slides/slide14.xml><?xml version="1.0" encoding="utf-8"?>
+<p:sld xmlns:a="http://schemas.openxmlformats.org/drawingml/2006/main" xmlns:r="http://schemas.openxmlformats.org/officeDocument/2006/relationships" xmlns:p="http://schemas.openxmlformats.org/presentationml/2006/main">
+  <p:cSld>
+    <p:spTree>
+      <p:nvGrpSpPr>
+        <p:cNvPr id="1" name=""/>
+        <p:cNvGrpSpPr/>
+        <p:nvPr/>
+      </p:nvGrpSpPr>
+      <p:grpSpPr>
+        <a:xfrm>
+          <a:off x="0" y="0"/>
+          <a:ext cx="0" cy="0"/>
+          <a:chOff x="0" y="0"/>
+          <a:chExt cx="0" cy="0"/>
+        </a:xfrm>
+      </p:grpSpPr>
+      <p:sp>
+        <p:nvSpPr>
+          <p:cNvPr id="2" name="Заголовок 1"/>
+          <p:cNvSpPr>
+            <a:spLocks noGrp="1"/>
+          </p:cNvSpPr>
+          <p:nvPr>
+            <p:ph type="title"/>
+          </p:nvPr>
+        </p:nvSpPr>
+        <p:spPr/>
+        <p:txBody>
+          <a:bodyPr>
+            <a:normAutofit/>
+          </a:bodyPr>
+          <a:lstStyle/>
+          <a:p>
+            <a:pPr algn="l"/>
+            <a:r>
+              <a:rPr lang="en-US" sz="2400" dirty="0" err="1" smtClean="0"/>
+              <a:t>Sqlite</a:t>
+            </a:r>
+            <a:endParaRPr lang="ru-RU" sz="2400" dirty="0"/>
+          </a:p>
+        </p:txBody>
+      </p:sp>
+      <p:pic>
+        <p:nvPicPr>
+          <p:cNvPr id="4" name="Рисунок 3"/>
+          <p:cNvPicPr>
+            <a:picLocks noChangeAspect="1"/>
+          </p:cNvPicPr>
+          <p:nvPr/>
+        </p:nvPicPr>
+        <p:blipFill>
+          <a:blip r:embed="rId2">
+            <a:extLst>
+              <a:ext uri="{28A0092B-C50C-407E-A947-70E740481C1C}">
+                <a14:useLocalDpi xmlns:a14="http://schemas.microsoft.com/office/drawing/2010/main" val="0"/>
+              </a:ext>
+            </a:extLst>
+          </a:blip>
+          <a:stretch>
+            <a:fillRect/>
+          </a:stretch>
+        </p:blipFill>
+        <p:spPr>
+          <a:xfrm>
+            <a:off x="3500288" y="1995686"/>
+            <a:ext cx="2143424" cy="1552792"/>
+          </a:xfrm>
+          <a:prstGeom prst="rect">
+            <a:avLst/>
+          </a:prstGeom>
+        </p:spPr>
+      </p:pic>
+    </p:spTree>
+    <p:extLst>
+      <p:ext uri="{BB962C8B-B14F-4D97-AF65-F5344CB8AC3E}">
+        <p14:creationId xmlns:p14="http://schemas.microsoft.com/office/powerpoint/2010/main" val="1172120779"/>
+      </p:ext>
+    </p:extLst>
+  </p:cSld>
+  <p:clrMapOvr>
+    <a:masterClrMapping/>
+  </p:clrMapOvr>
+  <p:timing>
+    <p:tnLst>
+      <p:par>
+        <p:cTn id="1" dur="indefinite" restart="never" nodeType="tmRoot"/>
+      </p:par>
+    </p:tnLst>
+  </p:timing>
+</p:sld>
+</file>
+
+<file path=ppt/slides/slide15.xml><?xml version="1.0" encoding="utf-8"?>
+<p:sld xmlns:a="http://schemas.openxmlformats.org/drawingml/2006/main" xmlns:r="http://schemas.openxmlformats.org/officeDocument/2006/relationships" xmlns:p="http://schemas.openxmlformats.org/presentationml/2006/main">
+  <p:cSld>
+    <p:spTree>
+      <p:nvGrpSpPr>
+        <p:cNvPr id="1" name=""/>
+        <p:cNvGrpSpPr/>
+        <p:nvPr/>
+      </p:nvGrpSpPr>
+      <p:grpSpPr>
+        <a:xfrm>
+          <a:off x="0" y="0"/>
+          <a:ext cx="0" cy="0"/>
+          <a:chOff x="0" y="0"/>
+          <a:chExt cx="0" cy="0"/>
+        </a:xfrm>
+      </p:grpSpPr>
       <p:pic>
         <p:nvPicPr>
           <p:cNvPr id="10245" name="Picture 5" descr="C:\Users\Илья\Downloads\мем-неверный-парень-шаблон.jpg"/>
@@ -7708,6 +7998,65 @@
       </p:pic>
       <p:pic>
         <p:nvPicPr>
+          <p:cNvPr id="4" name="Объект 3"/>
+          <p:cNvPicPr>
+            <a:picLocks noGrp="1" noChangeAspect="1"/>
+          </p:cNvPicPr>
+          <p:nvPr>
+            <p:ph idx="1"/>
+          </p:nvPr>
+        </p:nvPicPr>
+        <p:blipFill>
+          <a:blip r:embed="rId3" cstate="print">
+            <a:extLst>
+              <a:ext uri="{28A0092B-C50C-407E-A947-70E740481C1C}">
+                <a14:useLocalDpi xmlns:a14="http://schemas.microsoft.com/office/drawing/2010/main" val="0"/>
+              </a:ext>
+            </a:extLst>
+          </a:blip>
+          <a:stretch>
+            <a:fillRect/>
+          </a:stretch>
+        </p:blipFill>
+        <p:spPr>
+          <a:xfrm>
+            <a:off x="6732240" y="1060722"/>
+            <a:ext cx="1368152" cy="1368152"/>
+          </a:xfrm>
+        </p:spPr>
+      </p:pic>
+      <p:sp>
+        <p:nvSpPr>
+          <p:cNvPr id="10244" name="AutoShape 4" descr="https://meduza.io/impro/HgjpkVp_aJgpcVArqryKktVUYyq-6NFpyij4jMnEArA/fill/0/0/no/1/aHR0cHM6Ly9tZWR1/emEuaW8vaW1hZ2Uv/YXR0YWNobWVudHMv/aW1hZ2VzLzAwMi80/NDYvODc0L2xhcmdl/L0daR3AxQUtIVTJY/bUYxQWxPUVlxRmcu/anBn.webp"/>
+          <p:cNvSpPr>
+            <a:spLocks noChangeAspect="1" noChangeArrowheads="1"/>
+          </p:cNvSpPr>
+          <p:nvPr/>
+        </p:nvSpPr>
+        <p:spPr bwMode="auto">
+          <a:xfrm>
+            <a:off x="155575" y="-136525"/>
+            <a:ext cx="298450" cy="298450"/>
+          </a:xfrm>
+          <a:prstGeom prst="rect">
+            <a:avLst/>
+          </a:prstGeom>
+          <a:noFill/>
+        </p:spPr>
+        <p:txBody>
+          <a:bodyPr vert="horz" wrap="square" lIns="91440" tIns="45720" rIns="91440" bIns="45720" numCol="1" anchor="t" anchorCtr="0" compatLnSpc="1">
+            <a:prstTxWarp prst="textNoShape">
+              <a:avLst/>
+            </a:prstTxWarp>
+          </a:bodyPr>
+          <a:lstStyle/>
+          <a:p>
+            <a:endParaRPr lang="ru-RU"/>
+          </a:p>
+        </p:txBody>
+      </p:sp>
+      <p:pic>
+        <p:nvPicPr>
           <p:cNvPr id="8" name="Picture 2"/>
           <p:cNvPicPr>
             <a:picLocks noChangeAspect="1" noChangeArrowheads="1"/>
@@ -7715,7 +8064,7 @@
           <p:nvPr/>
         </p:nvPicPr>
         <p:blipFill>
-          <a:blip r:embed="rId3" cstate="print"/>
+          <a:blip r:embed="rId4" cstate="print"/>
           <a:srcRect t="8333" r="64258" b="76042"/>
           <a:stretch>
             <a:fillRect/>
@@ -7739,37 +8088,18 @@
           <a:effectLst/>
         </p:spPr>
       </p:pic>
-      <p:pic>
-        <p:nvPicPr>
-          <p:cNvPr id="9" name="Picture 3" descr="C:\Users\Илья\AppData\Local\Microsoft\Windows\INetCache\IE\W1GFKK6U\vkontakte_PNG4[1].png"/>
-          <p:cNvPicPr>
-            <a:picLocks noChangeAspect="1" noChangeArrowheads="1"/>
-          </p:cNvPicPr>
-          <p:nvPr/>
-        </p:nvPicPr>
-        <p:blipFill>
-          <a:blip r:embed="rId4" cstate="print"/>
-          <a:srcRect/>
-          <a:stretch>
-            <a:fillRect/>
-          </a:stretch>
-        </p:blipFill>
-        <p:spPr bwMode="auto">
-          <a:xfrm>
-            <a:off x="6858016" y="1214428"/>
-            <a:ext cx="1357322" cy="1357322"/>
-          </a:xfrm>
-          <a:prstGeom prst="rect">
-            <a:avLst/>
-          </a:prstGeom>
-          <a:noFill/>
-        </p:spPr>
-      </p:pic>
     </p:spTree>
   </p:cSld>
   <p:clrMapOvr>
     <a:masterClrMapping/>
   </p:clrMapOvr>
+  <p:timing>
+    <p:tnLst>
+      <p:par>
+        <p:cTn id="1" dur="indefinite" restart="never" nodeType="tmRoot"/>
+      </p:par>
+    </p:tnLst>
+  </p:timing>
 </p:sld>
 </file>
 
@@ -7790,44 +8120,6 @@
           <a:chExt cx="0" cy="0"/>
         </a:xfrm>
       </p:grpSpPr>
-      <p:sp>
-        <p:nvSpPr>
-          <p:cNvPr id="2" name="Заголовок 1"/>
-          <p:cNvSpPr>
-            <a:spLocks noGrp="1"/>
-          </p:cNvSpPr>
-          <p:nvPr>
-            <p:ph type="title"/>
-          </p:nvPr>
-        </p:nvSpPr>
-        <p:spPr/>
-        <p:txBody>
-          <a:bodyPr/>
-          <a:lstStyle/>
-          <a:p>
-            <a:endParaRPr lang="ru-RU"/>
-          </a:p>
-        </p:txBody>
-      </p:sp>
-      <p:sp>
-        <p:nvSpPr>
-          <p:cNvPr id="3" name="Содержимое 2"/>
-          <p:cNvSpPr>
-            <a:spLocks noGrp="1"/>
-          </p:cNvSpPr>
-          <p:nvPr>
-            <p:ph idx="1"/>
-          </p:nvPr>
-        </p:nvSpPr>
-        <p:spPr/>
-        <p:txBody>
-          <a:bodyPr/>
-          <a:lstStyle/>
-          <a:p>
-            <a:endParaRPr lang="ru-RU" dirty="0"/>
-          </a:p>
-        </p:txBody>
-      </p:sp>
       <p:pic>
         <p:nvPicPr>
           <p:cNvPr id="4" name="Picture 3" descr="C:\Users\Илья\humanHealthStat\modules\templates\icons\avatar.png"/>
@@ -7990,44 +8282,6 @@
           <a:chExt cx="0" cy="0"/>
         </a:xfrm>
       </p:grpSpPr>
-      <p:sp>
-        <p:nvSpPr>
-          <p:cNvPr id="2" name="Заголовок 1"/>
-          <p:cNvSpPr>
-            <a:spLocks noGrp="1"/>
-          </p:cNvSpPr>
-          <p:nvPr>
-            <p:ph type="title"/>
-          </p:nvPr>
-        </p:nvSpPr>
-        <p:spPr/>
-        <p:txBody>
-          <a:bodyPr/>
-          <a:lstStyle/>
-          <a:p>
-            <a:endParaRPr lang="ru-RU"/>
-          </a:p>
-        </p:txBody>
-      </p:sp>
-      <p:sp>
-        <p:nvSpPr>
-          <p:cNvPr id="3" name="Содержимое 2"/>
-          <p:cNvSpPr>
-            <a:spLocks noGrp="1"/>
-          </p:cNvSpPr>
-          <p:nvPr>
-            <p:ph idx="1"/>
-          </p:nvPr>
-        </p:nvSpPr>
-        <p:spPr/>
-        <p:txBody>
-          <a:bodyPr/>
-          <a:lstStyle/>
-          <a:p>
-            <a:endParaRPr lang="ru-RU" dirty="0"/>
-          </a:p>
-        </p:txBody>
-      </p:sp>
       <p:pic>
         <p:nvPicPr>
           <p:cNvPr id="4" name="Picture 3" descr="C:\Users\Илья\humanHealthStat\modules\templates\icons\avatar.png"/>
@@ -8280,25 +8534,6 @@
           </a:p>
         </p:txBody>
       </p:sp>
-      <p:sp>
-        <p:nvSpPr>
-          <p:cNvPr id="2" name="Заголовок 1"/>
-          <p:cNvSpPr>
-            <a:spLocks noGrp="1"/>
-          </p:cNvSpPr>
-          <p:nvPr>
-            <p:ph type="title"/>
-          </p:nvPr>
-        </p:nvSpPr>
-        <p:spPr/>
-        <p:txBody>
-          <a:bodyPr/>
-          <a:lstStyle/>
-          <a:p>
-            <a:endParaRPr lang="ru-RU"/>
-          </a:p>
-        </p:txBody>
-      </p:sp>
       <p:pic>
         <p:nvPicPr>
           <p:cNvPr id="1026" name="Picture 2"/>
@@ -8390,25 +8625,6 @@
           <a:chExt cx="0" cy="0"/>
         </a:xfrm>
       </p:grpSpPr>
-      <p:sp>
-        <p:nvSpPr>
-          <p:cNvPr id="2" name="Заголовок 1"/>
-          <p:cNvSpPr>
-            <a:spLocks noGrp="1"/>
-          </p:cNvSpPr>
-          <p:nvPr>
-            <p:ph type="title"/>
-          </p:nvPr>
-        </p:nvSpPr>
-        <p:spPr/>
-        <p:txBody>
-          <a:bodyPr/>
-          <a:lstStyle/>
-          <a:p>
-            <a:endParaRPr lang="ru-RU" dirty="0"/>
-          </a:p>
-        </p:txBody>
-      </p:sp>
       <p:graphicFrame>
         <p:nvGraphicFramePr>
           <p:cNvPr id="6" name="Содержимое 5"/>
@@ -8417,6 +8633,11 @@
           </p:cNvGraphicFramePr>
           <p:nvPr>
             <p:ph idx="1"/>
+            <p:extLst>
+              <p:ext uri="{D42A27DB-BD31-4B8C-83A1-F6EECF244321}">
+                <p14:modId xmlns:p14="http://schemas.microsoft.com/office/powerpoint/2010/main" val="2277062227"/>
+              </p:ext>
+            </p:extLst>
           </p:nvPr>
         </p:nvGraphicFramePr>
         <p:xfrm>
@@ -8510,25 +8731,6 @@
           </a:p>
         </p:txBody>
       </p:sp>
-      <p:sp>
-        <p:nvSpPr>
-          <p:cNvPr id="3" name="Содержимое 2"/>
-          <p:cNvSpPr>
-            <a:spLocks noGrp="1"/>
-          </p:cNvSpPr>
-          <p:nvPr>
-            <p:ph idx="1"/>
-          </p:nvPr>
-        </p:nvSpPr>
-        <p:spPr/>
-        <p:txBody>
-          <a:bodyPr/>
-          <a:lstStyle/>
-          <a:p>
-            <a:endParaRPr lang="ru-RU" dirty="0"/>
-          </a:p>
-        </p:txBody>
-      </p:sp>
       <p:pic>
         <p:nvPicPr>
           <p:cNvPr id="5122" name="Picture 2" descr="C:\Users\Илья\humanHealthStat\modules\templates\icons\avatar.png"/>
@@ -8587,68 +8789,34 @@
           <a:chExt cx="0" cy="0"/>
         </a:xfrm>
       </p:grpSpPr>
-      <p:sp>
-        <p:nvSpPr>
-          <p:cNvPr id="2" name="Заголовок 1"/>
-          <p:cNvSpPr>
-            <a:spLocks noGrp="1"/>
-          </p:cNvSpPr>
-          <p:nvPr>
-            <p:ph type="title"/>
-          </p:nvPr>
-        </p:nvSpPr>
-        <p:spPr/>
-        <p:txBody>
-          <a:bodyPr/>
-          <a:lstStyle/>
-          <a:p>
-            <a:endParaRPr lang="ru-RU"/>
-          </a:p>
-        </p:txBody>
-      </p:sp>
-      <p:sp>
-        <p:nvSpPr>
-          <p:cNvPr id="3" name="Содержимое 2"/>
-          <p:cNvSpPr>
-            <a:spLocks noGrp="1"/>
-          </p:cNvSpPr>
-          <p:nvPr>
-            <p:ph idx="1"/>
-          </p:nvPr>
-        </p:nvSpPr>
-        <p:spPr/>
-        <p:txBody>
-          <a:bodyPr/>
-          <a:lstStyle/>
-          <a:p>
-            <a:endParaRPr lang="ru-RU"/>
-          </a:p>
-        </p:txBody>
-      </p:sp>
       <p:pic>
         <p:nvPicPr>
-          <p:cNvPr id="6146" name="Picture 2" descr="C:\Users\Илья\Downloads\X6VQ89thqQc.jpg"/>
+          <p:cNvPr id="4" name="Рисунок 3"/>
           <p:cNvPicPr>
-            <a:picLocks noChangeAspect="1" noChangeArrowheads="1"/>
+            <a:picLocks noChangeAspect="1"/>
           </p:cNvPicPr>
           <p:nvPr/>
         </p:nvPicPr>
         <p:blipFill>
-          <a:blip r:embed="rId2" cstate="print"/>
-          <a:srcRect/>
+          <a:blip r:embed="rId2">
+            <a:extLst>
+              <a:ext uri="{28A0092B-C50C-407E-A947-70E740481C1C}">
+                <a14:useLocalDpi xmlns:a14="http://schemas.microsoft.com/office/drawing/2010/main" val="0"/>
+              </a:ext>
+            </a:extLst>
+          </a:blip>
           <a:stretch>
             <a:fillRect/>
           </a:stretch>
         </p:blipFill>
-        <p:spPr bwMode="auto">
+        <p:spPr>
           <a:xfrm>
-            <a:off x="428596" y="0"/>
-            <a:ext cx="8273644" cy="5143500"/>
+            <a:off x="435178" y="0"/>
+            <a:ext cx="8273643" cy="5143500"/>
           </a:xfrm>
           <a:prstGeom prst="rect">
             <a:avLst/>
           </a:prstGeom>
-          <a:noFill/>
         </p:spPr>
       </p:pic>
     </p:spTree>
@@ -8683,97 +8851,42 @@
           <a:chExt cx="0" cy="0"/>
         </a:xfrm>
       </p:grpSpPr>
-      <p:sp>
-        <p:nvSpPr>
-          <p:cNvPr id="2" name="Заголовок 1"/>
-          <p:cNvSpPr>
-            <a:spLocks noGrp="1"/>
-          </p:cNvSpPr>
-          <p:nvPr>
-            <p:ph type="title"/>
-          </p:nvPr>
-        </p:nvSpPr>
-        <p:spPr/>
-        <p:txBody>
-          <a:bodyPr/>
-          <a:lstStyle/>
-          <a:p>
-            <a:endParaRPr lang="ru-RU"/>
-          </a:p>
-        </p:txBody>
-      </p:sp>
-      <p:sp>
-        <p:nvSpPr>
-          <p:cNvPr id="3" name="Содержимое 2"/>
-          <p:cNvSpPr>
-            <a:spLocks noGrp="1"/>
-          </p:cNvSpPr>
-          <p:nvPr>
-            <p:ph idx="1"/>
-          </p:nvPr>
-        </p:nvSpPr>
-        <p:spPr/>
-        <p:txBody>
-          <a:bodyPr/>
-          <a:lstStyle/>
-          <a:p>
-            <a:endParaRPr lang="ru-RU"/>
-          </a:p>
-        </p:txBody>
-      </p:sp>
       <p:pic>
         <p:nvPicPr>
-          <p:cNvPr id="7170" name="Picture 2" descr="C:\Users\Илья\Downloads\6U65E4ADHkA.jpg"/>
+          <p:cNvPr id="4" name="Рисунок 3"/>
           <p:cNvPicPr>
-            <a:picLocks noChangeAspect="1" noChangeArrowheads="1"/>
+            <a:picLocks noChangeAspect="1"/>
           </p:cNvPicPr>
           <p:nvPr/>
         </p:nvPicPr>
         <p:blipFill>
-          <a:blip r:embed="rId2" cstate="print"/>
-          <a:srcRect/>
+          <a:blip r:embed="rId2">
+            <a:extLst>
+              <a:ext uri="{28A0092B-C50C-407E-A947-70E740481C1C}">
+                <a14:useLocalDpi xmlns:a14="http://schemas.microsoft.com/office/drawing/2010/main" val="0"/>
+              </a:ext>
+            </a:extLst>
+          </a:blip>
           <a:stretch>
             <a:fillRect/>
           </a:stretch>
         </p:blipFill>
-        <p:spPr bwMode="auto">
+        <p:spPr>
           <a:xfrm>
-            <a:off x="428596" y="0"/>
-            <a:ext cx="8286776" cy="5164451"/>
+            <a:off x="467543" y="0"/>
+            <a:ext cx="8148039" cy="5143500"/>
           </a:xfrm>
           <a:prstGeom prst="rect">
             <a:avLst/>
           </a:prstGeom>
-          <a:noFill/>
-        </p:spPr>
-      </p:pic>
-      <p:pic>
-        <p:nvPicPr>
-          <p:cNvPr id="6" name="Picture 2" descr="C:\Users\Илья\Downloads\6U65E4ADHkA.jpg"/>
-          <p:cNvPicPr>
-            <a:picLocks noChangeAspect="1" noChangeArrowheads="1"/>
-          </p:cNvPicPr>
-          <p:nvPr/>
-        </p:nvPicPr>
-        <p:blipFill>
-          <a:blip r:embed="rId2" cstate="print"/>
-          <a:srcRect l="69114" t="14074" r="15058" b="46243"/>
-          <a:stretch>
-            <a:fillRect/>
-          </a:stretch>
-        </p:blipFill>
-        <p:spPr bwMode="auto">
-          <a:xfrm>
-            <a:off x="6286512" y="0"/>
-            <a:ext cx="2357454" cy="3683522"/>
-          </a:xfrm>
-          <a:prstGeom prst="rect">
-            <a:avLst/>
-          </a:prstGeom>
-          <a:noFill/>
         </p:spPr>
       </p:pic>
     </p:spTree>
+    <p:extLst>
+      <p:ext uri="{BB962C8B-B14F-4D97-AF65-F5344CB8AC3E}">
+        <p14:creationId xmlns:p14="http://schemas.microsoft.com/office/powerpoint/2010/main" val="3242140918"/>
+      </p:ext>
+    </p:extLst>
   </p:cSld>
   <p:clrMapOvr>
     <a:masterClrMapping/>
@@ -8805,68 +8918,34 @@
           <a:chExt cx="0" cy="0"/>
         </a:xfrm>
       </p:grpSpPr>
-      <p:sp>
-        <p:nvSpPr>
-          <p:cNvPr id="2" name="Заголовок 1"/>
-          <p:cNvSpPr>
-            <a:spLocks noGrp="1"/>
-          </p:cNvSpPr>
-          <p:nvPr>
-            <p:ph type="title"/>
-          </p:nvPr>
-        </p:nvSpPr>
-        <p:spPr/>
-        <p:txBody>
-          <a:bodyPr/>
-          <a:lstStyle/>
-          <a:p>
-            <a:endParaRPr lang="ru-RU"/>
-          </a:p>
-        </p:txBody>
-      </p:sp>
-      <p:sp>
-        <p:nvSpPr>
-          <p:cNvPr id="3" name="Содержимое 2"/>
-          <p:cNvSpPr>
-            <a:spLocks noGrp="1"/>
-          </p:cNvSpPr>
-          <p:nvPr>
-            <p:ph idx="1"/>
-          </p:nvPr>
-        </p:nvSpPr>
-        <p:spPr/>
-        <p:txBody>
-          <a:bodyPr/>
-          <a:lstStyle/>
-          <a:p>
-            <a:endParaRPr lang="ru-RU"/>
-          </a:p>
-        </p:txBody>
-      </p:sp>
       <p:pic>
         <p:nvPicPr>
-          <p:cNvPr id="8195" name="Picture 3" descr="C:\Users\Илья\Downloads\UMcTVgCRehI.jpg"/>
+          <p:cNvPr id="4" name="Рисунок 3"/>
           <p:cNvPicPr>
-            <a:picLocks noChangeAspect="1" noChangeArrowheads="1"/>
+            <a:picLocks noChangeAspect="1"/>
           </p:cNvPicPr>
           <p:nvPr/>
         </p:nvPicPr>
         <p:blipFill>
-          <a:blip r:embed="rId2" cstate="print"/>
-          <a:srcRect/>
+          <a:blip r:embed="rId2">
+            <a:extLst>
+              <a:ext uri="{28A0092B-C50C-407E-A947-70E740481C1C}">
+                <a14:useLocalDpi xmlns:a14="http://schemas.microsoft.com/office/drawing/2010/main" val="0"/>
+              </a:ext>
+            </a:extLst>
+          </a:blip>
           <a:stretch>
             <a:fillRect/>
           </a:stretch>
         </p:blipFill>
-        <p:spPr bwMode="auto">
+        <p:spPr>
           <a:xfrm>
-            <a:off x="0" y="357172"/>
-            <a:ext cx="9144000" cy="4341190"/>
+            <a:off x="445421" y="0"/>
+            <a:ext cx="8253158" cy="5143500"/>
           </a:xfrm>
           <a:prstGeom prst="rect">
             <a:avLst/>
           </a:prstGeom>
-          <a:noFill/>
         </p:spPr>
       </p:pic>
     </p:spTree>
